--- a/documents/CHADA figs.pptx
+++ b/documents/CHADA figs.pptx
@@ -6,8 +6,9 @@
   </p:sldMasterIdLst>
   <p:sldIdLst>
     <p:sldId id="256" r:id="rId2"/>
-    <p:sldId id="257" r:id="rId3"/>
-    <p:sldId id="258" r:id="rId4"/>
+    <p:sldId id="259" r:id="rId3"/>
+    <p:sldId id="257" r:id="rId4"/>
+    <p:sldId id="258" r:id="rId5"/>
   </p:sldIdLst>
   <p:sldSz cx="12192000" cy="6858000"/>
   <p:notesSz cx="6858000" cy="9144000"/>
@@ -106,6 +107,11 @@
       </a:defRPr>
     </a:lvl9pPr>
   </p:defaultTextStyle>
+  <p:extLst>
+    <p:ext uri="{EFAFB233-063F-42B5-8137-9DF3F51BA10A}">
+      <p15:sldGuideLst xmlns:p15="http://schemas.microsoft.com/office/powerpoint/2012/main"/>
+    </p:ext>
+  </p:extLst>
 </p:presentation>
 </file>
 
@@ -240,7 +246,7 @@
           <a:p>
             <a:fld id="{CCCCA02D-D3A4-4EC9-A87B-8FA839FEAFCB}" type="datetimeFigureOut">
               <a:rPr lang="en-US" smtClean="0"/>
-              <a:t>2/12/2021</a:t>
+              <a:t>3/9/2021</a:t>
             </a:fld>
             <a:endParaRPr lang="en-US"/>
           </a:p>
@@ -410,7 +416,7 @@
           <a:p>
             <a:fld id="{CCCCA02D-D3A4-4EC9-A87B-8FA839FEAFCB}" type="datetimeFigureOut">
               <a:rPr lang="en-US" smtClean="0"/>
-              <a:t>2/12/2021</a:t>
+              <a:t>3/9/2021</a:t>
             </a:fld>
             <a:endParaRPr lang="en-US"/>
           </a:p>
@@ -590,7 +596,7 @@
           <a:p>
             <a:fld id="{CCCCA02D-D3A4-4EC9-A87B-8FA839FEAFCB}" type="datetimeFigureOut">
               <a:rPr lang="en-US" smtClean="0"/>
-              <a:t>2/12/2021</a:t>
+              <a:t>3/9/2021</a:t>
             </a:fld>
             <a:endParaRPr lang="en-US"/>
           </a:p>
@@ -760,7 +766,7 @@
           <a:p>
             <a:fld id="{CCCCA02D-D3A4-4EC9-A87B-8FA839FEAFCB}" type="datetimeFigureOut">
               <a:rPr lang="en-US" smtClean="0"/>
-              <a:t>2/12/2021</a:t>
+              <a:t>3/9/2021</a:t>
             </a:fld>
             <a:endParaRPr lang="en-US"/>
           </a:p>
@@ -1006,7 +1012,7 @@
           <a:p>
             <a:fld id="{CCCCA02D-D3A4-4EC9-A87B-8FA839FEAFCB}" type="datetimeFigureOut">
               <a:rPr lang="en-US" smtClean="0"/>
-              <a:t>2/12/2021</a:t>
+              <a:t>3/9/2021</a:t>
             </a:fld>
             <a:endParaRPr lang="en-US"/>
           </a:p>
@@ -1238,7 +1244,7 @@
           <a:p>
             <a:fld id="{CCCCA02D-D3A4-4EC9-A87B-8FA839FEAFCB}" type="datetimeFigureOut">
               <a:rPr lang="en-US" smtClean="0"/>
-              <a:t>2/12/2021</a:t>
+              <a:t>3/9/2021</a:t>
             </a:fld>
             <a:endParaRPr lang="en-US"/>
           </a:p>
@@ -1605,7 +1611,7 @@
           <a:p>
             <a:fld id="{CCCCA02D-D3A4-4EC9-A87B-8FA839FEAFCB}" type="datetimeFigureOut">
               <a:rPr lang="en-US" smtClean="0"/>
-              <a:t>2/12/2021</a:t>
+              <a:t>3/9/2021</a:t>
             </a:fld>
             <a:endParaRPr lang="en-US"/>
           </a:p>
@@ -1723,7 +1729,7 @@
           <a:p>
             <a:fld id="{CCCCA02D-D3A4-4EC9-A87B-8FA839FEAFCB}" type="datetimeFigureOut">
               <a:rPr lang="en-US" smtClean="0"/>
-              <a:t>2/12/2021</a:t>
+              <a:t>3/9/2021</a:t>
             </a:fld>
             <a:endParaRPr lang="en-US"/>
           </a:p>
@@ -1818,7 +1824,7 @@
           <a:p>
             <a:fld id="{CCCCA02D-D3A4-4EC9-A87B-8FA839FEAFCB}" type="datetimeFigureOut">
               <a:rPr lang="en-US" smtClean="0"/>
-              <a:t>2/12/2021</a:t>
+              <a:t>3/9/2021</a:t>
             </a:fld>
             <a:endParaRPr lang="en-US"/>
           </a:p>
@@ -2095,7 +2101,7 @@
           <a:p>
             <a:fld id="{CCCCA02D-D3A4-4EC9-A87B-8FA839FEAFCB}" type="datetimeFigureOut">
               <a:rPr lang="en-US" smtClean="0"/>
-              <a:t>2/12/2021</a:t>
+              <a:t>3/9/2021</a:t>
             </a:fld>
             <a:endParaRPr lang="en-US"/>
           </a:p>
@@ -2348,7 +2354,7 @@
           <a:p>
             <a:fld id="{CCCCA02D-D3A4-4EC9-A87B-8FA839FEAFCB}" type="datetimeFigureOut">
               <a:rPr lang="en-US" smtClean="0"/>
-              <a:t>2/12/2021</a:t>
+              <a:t>3/9/2021</a:t>
             </a:fld>
             <a:endParaRPr lang="en-US"/>
           </a:p>
@@ -2561,7 +2567,7 @@
           <a:p>
             <a:fld id="{CCCCA02D-D3A4-4EC9-A87B-8FA839FEAFCB}" type="datetimeFigureOut">
               <a:rPr lang="en-US" smtClean="0"/>
-              <a:t>2/12/2021</a:t>
+              <a:t>3/9/2021</a:t>
             </a:fld>
             <a:endParaRPr lang="en-US"/>
           </a:p>
@@ -2968,24 +2974,30 @@
       </p:grpSpPr>
       <p:sp>
         <p:nvSpPr>
-          <p:cNvPr id="4" name="Rechteck 3"/>
+          <p:cNvPr id="9" name="Rechteck 8"/>
           <p:cNvSpPr/>
           <p:nvPr/>
         </p:nvSpPr>
         <p:spPr>
           <a:xfrm>
-            <a:off x="739470" y="87464"/>
-            <a:ext cx="4508390" cy="5351228"/>
+            <a:off x="1152939" y="5398604"/>
+            <a:ext cx="9843715" cy="1248687"/>
           </a:xfrm>
           <a:prstGeom prst="rect">
             <a:avLst/>
           </a:prstGeom>
           <a:solidFill>
-            <a:schemeClr val="accent1">
-              <a:lumMod val="40000"/>
-              <a:lumOff val="60000"/>
+            <a:schemeClr val="accent2">
+              <a:lumMod val="20000"/>
+              <a:lumOff val="80000"/>
             </a:schemeClr>
           </a:solidFill>
+          <a:ln w="28575">
+            <a:solidFill>
+              <a:schemeClr val="tx1"/>
+            </a:solidFill>
+            <a:prstDash val="dash"/>
+          </a:ln>
         </p:spPr>
         <p:style>
           <a:lnRef idx="2">
@@ -3008,24 +3020,72 @@
           <a:lstStyle/>
           <a:p>
             <a:pPr algn="ctr"/>
-            <a:endParaRPr lang="en-US"/>
-          </a:p>
-        </p:txBody>
-      </p:sp>
-      <p:sp>
-        <p:nvSpPr>
-          <p:cNvPr id="5" name="Rechteck 4"/>
-          <p:cNvSpPr/>
-          <p:nvPr/>
-        </p:nvSpPr>
-        <p:spPr>
-          <a:xfrm>
-            <a:off x="739470" y="87464"/>
-            <a:ext cx="4508390" cy="691763"/>
+            <a:endParaRPr lang="en-US" dirty="0"/>
+          </a:p>
+        </p:txBody>
+      </p:sp>
+      <p:pic>
+        <p:nvPicPr>
+          <p:cNvPr id="2" name="Grafik 1"/>
+          <p:cNvPicPr>
+            <a:picLocks noChangeAspect="1"/>
+          </p:cNvPicPr>
+          <p:nvPr/>
+        </p:nvPicPr>
+        <p:blipFill rotWithShape="1">
+          <a:blip r:embed="rId2">
+            <a:clrChange>
+              <a:clrFrom>
+                <a:srgbClr val="FFFFFF"/>
+              </a:clrFrom>
+              <a:clrTo>
+                <a:srgbClr val="FFFFFF">
+                  <a:alpha val="0"/>
+                </a:srgbClr>
+              </a:clrTo>
+            </a:clrChange>
+            <a:duotone>
+              <a:schemeClr val="accent5">
+                <a:shade val="45000"/>
+                <a:satMod val="135000"/>
+              </a:schemeClr>
+              <a:prstClr val="white"/>
+            </a:duotone>
+          </a:blip>
+          <a:srcRect l="3693" t="8923" r="3561" b="18394"/>
+          <a:stretch/>
+        </p:blipFill>
+        <p:spPr>
+          <a:xfrm>
+            <a:off x="1152939" y="23856"/>
+            <a:ext cx="5009322" cy="5176299"/>
           </a:xfrm>
           <a:prstGeom prst="rect">
             <a:avLst/>
           </a:prstGeom>
+        </p:spPr>
+      </p:pic>
+      <p:sp>
+        <p:nvSpPr>
+          <p:cNvPr id="6" name="Abgerundetes Rechteck 5"/>
+          <p:cNvSpPr/>
+          <p:nvPr/>
+        </p:nvSpPr>
+        <p:spPr>
+          <a:xfrm>
+            <a:off x="1470988" y="1206611"/>
+            <a:ext cx="3888188" cy="429370"/>
+          </a:xfrm>
+          <a:prstGeom prst="roundRect">
+            <a:avLst>
+              <a:gd name="adj" fmla="val 6851"/>
+            </a:avLst>
+          </a:prstGeom>
+          <a:solidFill>
+            <a:schemeClr val="bg2">
+              <a:lumMod val="90000"/>
+            </a:schemeClr>
+          </a:solidFill>
         </p:spPr>
         <p:style>
           <a:lnRef idx="2">
@@ -3049,129 +3109,26 @@
           <a:p>
             <a:pPr algn="ctr"/>
             <a:r>
-              <a:rPr lang="en-US" sz="3200" b="1" dirty="0" smtClean="0"/>
-              <a:t>CHADA file</a:t>
-            </a:r>
-            <a:endParaRPr lang="en-US" sz="3200" b="1" dirty="0"/>
-          </a:p>
-        </p:txBody>
-      </p:sp>
-      <p:sp>
-        <p:nvSpPr>
-          <p:cNvPr id="6" name="Abgerundetes Rechteck 5"/>
-          <p:cNvSpPr/>
-          <p:nvPr/>
-        </p:nvSpPr>
-        <p:spPr>
-          <a:xfrm>
-            <a:off x="834886" y="850790"/>
-            <a:ext cx="3888188" cy="429370"/>
-          </a:xfrm>
-          <a:prstGeom prst="roundRect">
-            <a:avLst>
-              <a:gd name="adj" fmla="val 6851"/>
-            </a:avLst>
-          </a:prstGeom>
-          <a:solidFill>
-            <a:schemeClr val="bg2">
-              <a:lumMod val="90000"/>
-            </a:schemeClr>
-          </a:solidFill>
-        </p:spPr>
-        <p:style>
-          <a:lnRef idx="2">
-            <a:schemeClr val="accent1">
-              <a:shade val="50000"/>
-            </a:schemeClr>
-          </a:lnRef>
-          <a:fillRef idx="1">
-            <a:schemeClr val="accent1"/>
-          </a:fillRef>
-          <a:effectRef idx="0">
-            <a:schemeClr val="accent1"/>
-          </a:effectRef>
-          <a:fontRef idx="minor">
-            <a:schemeClr val="lt1"/>
-          </a:fontRef>
-        </p:style>
-        <p:txBody>
-          <a:bodyPr rtlCol="0" anchor="ctr"/>
-          <a:lstStyle/>
-          <a:p>
-            <a:pPr algn="ctr"/>
-            <a:r>
-              <a:rPr lang="en-US" dirty="0" smtClean="0">
+              <a:rPr lang="en-US" i="1" dirty="0" smtClean="0">
                 <a:solidFill>
                   <a:schemeClr val="tx1"/>
                 </a:solidFill>
               </a:rPr>
-              <a:t>Static metadata</a:t>
-            </a:r>
-          </a:p>
-        </p:txBody>
-      </p:sp>
-      <p:sp>
-        <p:nvSpPr>
-          <p:cNvPr id="7" name="Abgerundetes Rechteck 6"/>
-          <p:cNvSpPr/>
-          <p:nvPr/>
-        </p:nvSpPr>
-        <p:spPr>
-          <a:xfrm>
-            <a:off x="834886" y="1359675"/>
-            <a:ext cx="3888188" cy="938252"/>
-          </a:xfrm>
-          <a:prstGeom prst="roundRect">
-            <a:avLst>
-              <a:gd name="adj" fmla="val 6851"/>
-            </a:avLst>
-          </a:prstGeom>
-          <a:solidFill>
-            <a:schemeClr val="bg2">
-              <a:lumMod val="90000"/>
-            </a:schemeClr>
-          </a:solidFill>
-        </p:spPr>
-        <p:style>
-          <a:lnRef idx="2">
-            <a:schemeClr val="accent1">
-              <a:shade val="50000"/>
-            </a:schemeClr>
-          </a:lnRef>
-          <a:fillRef idx="1">
-            <a:schemeClr val="accent1"/>
-          </a:fillRef>
-          <a:effectRef idx="0">
-            <a:schemeClr val="accent1"/>
-          </a:effectRef>
-          <a:fontRef idx="minor">
-            <a:schemeClr val="lt1"/>
-          </a:fontRef>
-        </p:style>
-        <p:txBody>
-          <a:bodyPr rtlCol="0" anchor="ctr"/>
-          <a:lstStyle/>
-          <a:p>
-            <a:pPr algn="ctr"/>
-            <a:r>
-              <a:rPr lang="en-US" dirty="0" smtClean="0">
+              <a:t>Static </a:t>
+            </a:r>
+            <a:r>
+              <a:rPr lang="en-US" i="1" dirty="0" smtClean="0">
                 <a:solidFill>
                   <a:schemeClr val="tx1"/>
                 </a:solidFill>
               </a:rPr>
-              <a:t>Binary spectrum data</a:t>
-            </a:r>
-          </a:p>
-          <a:p>
-            <a:pPr algn="ctr"/>
-            <a:r>
-              <a:rPr lang="en-US" dirty="0" smtClean="0">
-                <a:solidFill>
-                  <a:schemeClr val="tx1"/>
-                </a:solidFill>
-              </a:rPr>
-              <a:t>(copy of native file)</a:t>
-            </a:r>
+              <a:t>Metadata</a:t>
+            </a:r>
+            <a:endParaRPr lang="en-US" i="1" dirty="0" smtClean="0">
+              <a:solidFill>
+                <a:schemeClr val="tx1"/>
+              </a:solidFill>
+            </a:endParaRPr>
           </a:p>
         </p:txBody>
       </p:sp>
@@ -3183,7 +3140,7 @@
         </p:nvSpPr>
         <p:spPr>
           <a:xfrm>
-            <a:off x="834886" y="2460931"/>
+            <a:off x="1470989" y="2826692"/>
             <a:ext cx="3888188" cy="1427256"/>
           </a:xfrm>
           <a:prstGeom prst="roundRect">
@@ -3237,7 +3194,7 @@
         </p:nvSpPr>
         <p:spPr>
           <a:xfrm>
-            <a:off x="1367624" y="3538663"/>
+            <a:off x="2003727" y="3904424"/>
             <a:ext cx="1733384" cy="263385"/>
           </a:xfrm>
           <a:prstGeom prst="flowChartTerminator">
@@ -3295,7 +3252,7 @@
         </p:nvSpPr>
         <p:spPr>
           <a:xfrm>
-            <a:off x="2019633" y="2553896"/>
+            <a:off x="2655736" y="2919657"/>
             <a:ext cx="433132" cy="523220"/>
           </a:xfrm>
           <a:prstGeom prst="rect">
@@ -3333,7 +3290,7 @@
         </p:nvSpPr>
         <p:spPr>
           <a:xfrm>
-            <a:off x="2019633" y="3029120"/>
+            <a:off x="2655736" y="3394881"/>
             <a:ext cx="433132" cy="523220"/>
           </a:xfrm>
           <a:prstGeom prst="rect">
@@ -3371,7 +3328,7 @@
         </p:nvSpPr>
         <p:spPr>
           <a:xfrm flipH="1">
-            <a:off x="3196424" y="3029119"/>
+            <a:off x="3832527" y="3394880"/>
             <a:ext cx="1311966" cy="263385"/>
           </a:xfrm>
           <a:prstGeom prst="homePlate">
@@ -3428,7 +3385,7 @@
         </p:nvSpPr>
         <p:spPr>
           <a:xfrm>
-            <a:off x="834886" y="3991221"/>
+            <a:off x="1470989" y="4356982"/>
             <a:ext cx="3888188" cy="429370"/>
           </a:xfrm>
           <a:prstGeom prst="roundRect">
@@ -3463,14 +3420,28 @@
           <a:bodyPr rtlCol="0" anchor="ctr"/>
           <a:lstStyle/>
           <a:p>
-            <a:r>
-              <a:rPr lang="en-US" sz="1600" dirty="0" smtClean="0">
+            <a:pPr algn="ctr"/>
+            <a:r>
+              <a:rPr lang="en-US" sz="1600" i="1" dirty="0" smtClean="0">
                 <a:solidFill>
                   <a:schemeClr val="tx1"/>
                 </a:solidFill>
               </a:rPr>
-              <a:t>Dynamic metadata</a:t>
-            </a:r>
+              <a:t>Dynamic </a:t>
+            </a:r>
+            <a:r>
+              <a:rPr lang="en-US" sz="1600" i="1" dirty="0" smtClean="0">
+                <a:solidFill>
+                  <a:schemeClr val="tx1"/>
+                </a:solidFill>
+              </a:rPr>
+              <a:t>Metadata</a:t>
+            </a:r>
+            <a:endParaRPr lang="en-US" sz="1600" i="1" dirty="0" smtClean="0">
+              <a:solidFill>
+                <a:schemeClr val="tx1"/>
+              </a:solidFill>
+            </a:endParaRPr>
           </a:p>
         </p:txBody>
       </p:sp>
@@ -3482,8 +3453,8 @@
         </p:nvSpPr>
         <p:spPr>
           <a:xfrm>
-            <a:off x="834886" y="4523624"/>
-            <a:ext cx="3888188" cy="803749"/>
+            <a:off x="1470988" y="5462214"/>
+            <a:ext cx="2183603" cy="661878"/>
           </a:xfrm>
           <a:prstGeom prst="roundRect">
             <a:avLst>
@@ -3491,9 +3462,9 @@
             </a:avLst>
           </a:prstGeom>
           <a:solidFill>
-            <a:schemeClr val="accent4">
-              <a:lumMod val="40000"/>
-              <a:lumOff val="60000"/>
+            <a:schemeClr val="accent1">
+              <a:lumMod val="20000"/>
+              <a:lumOff val="80000"/>
             </a:schemeClr>
           </a:solidFill>
         </p:spPr>
@@ -3520,6 +3491,14 @@
             <a:pPr algn="ctr"/>
             <a:r>
               <a:rPr lang="en-US" b="1" dirty="0" smtClean="0">
+                <a:solidFill>
+                  <a:schemeClr val="tx1"/>
+                </a:solidFill>
+              </a:rPr>
+              <a:t>File </a:t>
+            </a:r>
+            <a:r>
+              <a:rPr lang="en-US" b="1" i="1" dirty="0" smtClean="0">
                 <a:solidFill>
                   <a:schemeClr val="tx1"/>
                 </a:solidFill>
@@ -3539,22 +3518,19 @@
       </p:sp>
       <p:sp>
         <p:nvSpPr>
-          <p:cNvPr id="19" name="180-Grad-Pfeil 18"/>
+          <p:cNvPr id="21" name="Pfeil nach unten 20"/>
           <p:cNvSpPr/>
           <p:nvPr/>
         </p:nvSpPr>
         <p:spPr>
-          <a:xfrm rot="16200000" flipV="1">
-            <a:off x="4428875" y="4428876"/>
-            <a:ext cx="858741" cy="270344"/>
-          </a:xfrm>
-          <a:prstGeom prst="uturnArrow">
+          <a:xfrm flipV="1">
+            <a:off x="2146856" y="3658264"/>
+            <a:ext cx="210918" cy="1803284"/>
+          </a:xfrm>
+          <a:prstGeom prst="downArrow">
             <a:avLst>
-              <a:gd name="adj1" fmla="val 10382"/>
-              <a:gd name="adj2" fmla="val 25000"/>
-              <a:gd name="adj3" fmla="val 27658"/>
-              <a:gd name="adj4" fmla="val 31790"/>
-              <a:gd name="adj5" fmla="val 75000"/>
+              <a:gd name="adj1" fmla="val 50000"/>
+              <a:gd name="adj2" fmla="val 65844"/>
             </a:avLst>
           </a:prstGeom>
         </p:spPr>
@@ -3579,100 +3555,6 @@
           <a:lstStyle/>
           <a:p>
             <a:pPr algn="ctr"/>
-            <a:endParaRPr lang="en-US">
-              <a:solidFill>
-                <a:schemeClr val="tx1"/>
-              </a:solidFill>
-            </a:endParaRPr>
-          </a:p>
-        </p:txBody>
-      </p:sp>
-      <p:sp>
-        <p:nvSpPr>
-          <p:cNvPr id="20" name="180-Grad-Pfeil 19"/>
-          <p:cNvSpPr/>
-          <p:nvPr/>
-        </p:nvSpPr>
-        <p:spPr>
-          <a:xfrm rot="16200000" flipV="1">
-            <a:off x="3943682" y="3808510"/>
-            <a:ext cx="1964300" cy="405517"/>
-          </a:xfrm>
-          <a:prstGeom prst="uturnArrow">
-            <a:avLst>
-              <a:gd name="adj1" fmla="val 10382"/>
-              <a:gd name="adj2" fmla="val 25000"/>
-              <a:gd name="adj3" fmla="val 27658"/>
-              <a:gd name="adj4" fmla="val 31790"/>
-              <a:gd name="adj5" fmla="val 75000"/>
-            </a:avLst>
-          </a:prstGeom>
-        </p:spPr>
-        <p:style>
-          <a:lnRef idx="2">
-            <a:schemeClr val="accent1">
-              <a:shade val="50000"/>
-            </a:schemeClr>
-          </a:lnRef>
-          <a:fillRef idx="1">
-            <a:schemeClr val="accent1"/>
-          </a:fillRef>
-          <a:effectRef idx="0">
-            <a:schemeClr val="accent1"/>
-          </a:effectRef>
-          <a:fontRef idx="minor">
-            <a:schemeClr val="lt1"/>
-          </a:fontRef>
-        </p:style>
-        <p:txBody>
-          <a:bodyPr rtlCol="0" anchor="ctr"/>
-          <a:lstStyle/>
-          <a:p>
-            <a:pPr algn="ctr"/>
-            <a:endParaRPr lang="en-US">
-              <a:solidFill>
-                <a:schemeClr val="tx1"/>
-              </a:solidFill>
-            </a:endParaRPr>
-          </a:p>
-        </p:txBody>
-      </p:sp>
-      <p:sp>
-        <p:nvSpPr>
-          <p:cNvPr id="21" name="Pfeil nach unten 20"/>
-          <p:cNvSpPr/>
-          <p:nvPr/>
-        </p:nvSpPr>
-        <p:spPr>
-          <a:xfrm>
-            <a:off x="2655734" y="2297926"/>
-            <a:ext cx="135173" cy="2225697"/>
-          </a:xfrm>
-          <a:prstGeom prst="downArrow">
-            <a:avLst/>
-          </a:prstGeom>
-        </p:spPr>
-        <p:style>
-          <a:lnRef idx="2">
-            <a:schemeClr val="accent1">
-              <a:shade val="50000"/>
-            </a:schemeClr>
-          </a:lnRef>
-          <a:fillRef idx="1">
-            <a:schemeClr val="accent1"/>
-          </a:fillRef>
-          <a:effectRef idx="0">
-            <a:schemeClr val="accent1"/>
-          </a:effectRef>
-          <a:fontRef idx="minor">
-            <a:schemeClr val="lt1"/>
-          </a:fontRef>
-        </p:style>
-        <p:txBody>
-          <a:bodyPr rtlCol="0" anchor="ctr"/>
-          <a:lstStyle/>
-          <a:p>
-            <a:pPr algn="ctr"/>
             <a:endParaRPr lang="en-US"/>
           </a:p>
         </p:txBody>
@@ -3685,7 +3567,7 @@
         </p:nvSpPr>
         <p:spPr>
           <a:xfrm>
-            <a:off x="1367624" y="2535474"/>
+            <a:off x="2003727" y="2901235"/>
             <a:ext cx="1733384" cy="263385"/>
           </a:xfrm>
           <a:prstGeom prst="flowChartTerminator">
@@ -3743,7 +3625,7 @@
         </p:nvSpPr>
         <p:spPr>
           <a:xfrm>
-            <a:off x="1367624" y="3029120"/>
+            <a:off x="2003727" y="3394881"/>
             <a:ext cx="1733384" cy="263385"/>
           </a:xfrm>
           <a:prstGeom prst="flowChartTerminator">
@@ -3790,6 +3672,795 @@
                 <a:schemeClr val="tx1"/>
               </a:solidFill>
             </a:endParaRPr>
+          </a:p>
+        </p:txBody>
+      </p:sp>
+      <p:sp>
+        <p:nvSpPr>
+          <p:cNvPr id="3" name="Rechteck 2"/>
+          <p:cNvSpPr/>
+          <p:nvPr/>
+        </p:nvSpPr>
+        <p:spPr>
+          <a:xfrm>
+            <a:off x="1808131" y="394541"/>
+            <a:ext cx="1606951" cy="461665"/>
+          </a:xfrm>
+          <a:prstGeom prst="rect">
+            <a:avLst/>
+          </a:prstGeom>
+        </p:spPr>
+        <p:txBody>
+          <a:bodyPr wrap="square">
+            <a:spAutoFit/>
+          </a:bodyPr>
+          <a:lstStyle/>
+          <a:p>
+            <a:pPr algn="ctr"/>
+            <a:r>
+              <a:rPr lang="en-US" sz="2400" b="1" dirty="0">
+                <a:solidFill>
+                  <a:schemeClr val="accent5">
+                    <a:lumMod val="75000"/>
+                  </a:schemeClr>
+                </a:solidFill>
+              </a:rPr>
+              <a:t>CHADA </a:t>
+            </a:r>
+            <a:r>
+              <a:rPr lang="en-US" sz="2400" b="1" dirty="0" smtClean="0">
+                <a:solidFill>
+                  <a:schemeClr val="accent5">
+                    <a:lumMod val="75000"/>
+                  </a:schemeClr>
+                </a:solidFill>
+              </a:rPr>
+              <a:t>file</a:t>
+            </a:r>
+          </a:p>
+        </p:txBody>
+      </p:sp>
+      <p:sp>
+        <p:nvSpPr>
+          <p:cNvPr id="22" name="Abgerundetes Rechteck 21"/>
+          <p:cNvSpPr/>
+          <p:nvPr/>
+        </p:nvSpPr>
+        <p:spPr>
+          <a:xfrm>
+            <a:off x="1470988" y="1723711"/>
+            <a:ext cx="3888188" cy="938252"/>
+          </a:xfrm>
+          <a:prstGeom prst="roundRect">
+            <a:avLst>
+              <a:gd name="adj" fmla="val 6851"/>
+            </a:avLst>
+          </a:prstGeom>
+          <a:solidFill>
+            <a:schemeClr val="bg2">
+              <a:lumMod val="90000"/>
+            </a:schemeClr>
+          </a:solidFill>
+        </p:spPr>
+        <p:style>
+          <a:lnRef idx="2">
+            <a:schemeClr val="accent1">
+              <a:shade val="50000"/>
+            </a:schemeClr>
+          </a:lnRef>
+          <a:fillRef idx="1">
+            <a:schemeClr val="accent1"/>
+          </a:fillRef>
+          <a:effectRef idx="0">
+            <a:schemeClr val="accent1"/>
+          </a:effectRef>
+          <a:fontRef idx="minor">
+            <a:schemeClr val="lt1"/>
+          </a:fontRef>
+        </p:style>
+        <p:txBody>
+          <a:bodyPr rtlCol="0" anchor="ctr"/>
+          <a:lstStyle/>
+          <a:p>
+            <a:pPr algn="ctr"/>
+            <a:r>
+              <a:rPr lang="en-US" dirty="0" smtClean="0">
+                <a:solidFill>
+                  <a:schemeClr val="tx1"/>
+                </a:solidFill>
+              </a:rPr>
+              <a:t>Copy </a:t>
+            </a:r>
+            <a:r>
+              <a:rPr lang="en-US" dirty="0" smtClean="0">
+                <a:solidFill>
+                  <a:schemeClr val="tx1"/>
+                </a:solidFill>
+              </a:rPr>
+              <a:t>of </a:t>
+            </a:r>
+            <a:r>
+              <a:rPr lang="en-US" i="1" dirty="0" smtClean="0">
+                <a:solidFill>
+                  <a:schemeClr val="tx1"/>
+                </a:solidFill>
+              </a:rPr>
+              <a:t>Native Data</a:t>
+            </a:r>
+            <a:r>
+              <a:rPr lang="en-US" dirty="0" smtClean="0">
+                <a:solidFill>
+                  <a:schemeClr val="tx1"/>
+                </a:solidFill>
+              </a:rPr>
+              <a:t> file</a:t>
+            </a:r>
+            <a:endParaRPr lang="en-US" dirty="0" smtClean="0">
+              <a:solidFill>
+                <a:schemeClr val="tx1"/>
+              </a:solidFill>
+            </a:endParaRPr>
+          </a:p>
+        </p:txBody>
+      </p:sp>
+      <p:sp>
+        <p:nvSpPr>
+          <p:cNvPr id="23" name="Pfeil nach unten 22"/>
+          <p:cNvSpPr/>
+          <p:nvPr/>
+        </p:nvSpPr>
+        <p:spPr>
+          <a:xfrm flipV="1">
+            <a:off x="2675824" y="4716376"/>
+            <a:ext cx="189010" cy="736888"/>
+          </a:xfrm>
+          <a:prstGeom prst="downArrow">
+            <a:avLst>
+              <a:gd name="adj1" fmla="val 50000"/>
+              <a:gd name="adj2" fmla="val 65844"/>
+            </a:avLst>
+          </a:prstGeom>
+        </p:spPr>
+        <p:style>
+          <a:lnRef idx="2">
+            <a:schemeClr val="accent1">
+              <a:shade val="50000"/>
+            </a:schemeClr>
+          </a:lnRef>
+          <a:fillRef idx="1">
+            <a:schemeClr val="accent1"/>
+          </a:fillRef>
+          <a:effectRef idx="0">
+            <a:schemeClr val="accent1"/>
+          </a:effectRef>
+          <a:fontRef idx="minor">
+            <a:schemeClr val="lt1"/>
+          </a:fontRef>
+        </p:style>
+        <p:txBody>
+          <a:bodyPr rtlCol="0" anchor="ctr"/>
+          <a:lstStyle/>
+          <a:p>
+            <a:pPr algn="ctr"/>
+            <a:endParaRPr lang="en-US"/>
+          </a:p>
+        </p:txBody>
+      </p:sp>
+      <p:sp>
+        <p:nvSpPr>
+          <p:cNvPr id="24" name="Rechteck 23"/>
+          <p:cNvSpPr/>
+          <p:nvPr/>
+        </p:nvSpPr>
+        <p:spPr>
+          <a:xfrm>
+            <a:off x="6905920" y="894857"/>
+            <a:ext cx="4090734" cy="4018680"/>
+          </a:xfrm>
+          <a:prstGeom prst="rect">
+            <a:avLst/>
+          </a:prstGeom>
+          <a:solidFill>
+            <a:schemeClr val="accent6">
+              <a:lumMod val="40000"/>
+              <a:lumOff val="60000"/>
+            </a:schemeClr>
+          </a:solidFill>
+        </p:spPr>
+        <p:style>
+          <a:lnRef idx="2">
+            <a:schemeClr val="accent1">
+              <a:shade val="50000"/>
+            </a:schemeClr>
+          </a:lnRef>
+          <a:fillRef idx="1">
+            <a:schemeClr val="accent1"/>
+          </a:fillRef>
+          <a:effectRef idx="0">
+            <a:schemeClr val="accent1"/>
+          </a:effectRef>
+          <a:fontRef idx="minor">
+            <a:schemeClr val="lt1"/>
+          </a:fontRef>
+        </p:style>
+        <p:txBody>
+          <a:bodyPr rtlCol="0" anchor="ctr"/>
+          <a:lstStyle/>
+          <a:p>
+            <a:pPr algn="ctr"/>
+            <a:endParaRPr lang="en-US"/>
+          </a:p>
+        </p:txBody>
+      </p:sp>
+      <p:sp>
+        <p:nvSpPr>
+          <p:cNvPr id="25" name="Rechteck 24"/>
+          <p:cNvSpPr/>
+          <p:nvPr/>
+        </p:nvSpPr>
+        <p:spPr>
+          <a:xfrm>
+            <a:off x="6905920" y="760790"/>
+            <a:ext cx="4090734" cy="464046"/>
+          </a:xfrm>
+          <a:prstGeom prst="rect">
+            <a:avLst/>
+          </a:prstGeom>
+          <a:solidFill>
+            <a:schemeClr val="accent6"/>
+          </a:solidFill>
+        </p:spPr>
+        <p:style>
+          <a:lnRef idx="2">
+            <a:schemeClr val="accent1">
+              <a:shade val="50000"/>
+            </a:schemeClr>
+          </a:lnRef>
+          <a:fillRef idx="1">
+            <a:schemeClr val="accent1"/>
+          </a:fillRef>
+          <a:effectRef idx="0">
+            <a:schemeClr val="accent1"/>
+          </a:effectRef>
+          <a:fontRef idx="minor">
+            <a:schemeClr val="lt1"/>
+          </a:fontRef>
+        </p:style>
+        <p:txBody>
+          <a:bodyPr rtlCol="0" anchor="ctr"/>
+          <a:lstStyle/>
+          <a:p>
+            <a:pPr algn="ctr"/>
+            <a:r>
+              <a:rPr lang="en-US" sz="2400" b="1" dirty="0" smtClean="0"/>
+              <a:t>CHADA group</a:t>
+            </a:r>
+            <a:endParaRPr lang="en-US" sz="2400" b="1" dirty="0"/>
+          </a:p>
+        </p:txBody>
+      </p:sp>
+      <p:sp>
+        <p:nvSpPr>
+          <p:cNvPr id="26" name="Abgerundetes Rechteck 25"/>
+          <p:cNvSpPr/>
+          <p:nvPr/>
+        </p:nvSpPr>
+        <p:spPr>
+          <a:xfrm>
+            <a:off x="7001336" y="1296399"/>
+            <a:ext cx="3888188" cy="429370"/>
+          </a:xfrm>
+          <a:prstGeom prst="roundRect">
+            <a:avLst>
+              <a:gd name="adj" fmla="val 6851"/>
+            </a:avLst>
+          </a:prstGeom>
+          <a:solidFill>
+            <a:schemeClr val="bg2">
+              <a:lumMod val="90000"/>
+            </a:schemeClr>
+          </a:solidFill>
+        </p:spPr>
+        <p:style>
+          <a:lnRef idx="2">
+            <a:schemeClr val="accent1">
+              <a:shade val="50000"/>
+            </a:schemeClr>
+          </a:lnRef>
+          <a:fillRef idx="1">
+            <a:schemeClr val="accent1"/>
+          </a:fillRef>
+          <a:effectRef idx="0">
+            <a:schemeClr val="accent1"/>
+          </a:effectRef>
+          <a:fontRef idx="minor">
+            <a:schemeClr val="lt1"/>
+          </a:fontRef>
+        </p:style>
+        <p:txBody>
+          <a:bodyPr rtlCol="0" anchor="ctr"/>
+          <a:lstStyle/>
+          <a:p>
+            <a:pPr algn="ctr"/>
+            <a:r>
+              <a:rPr lang="en-US" dirty="0" smtClean="0">
+                <a:solidFill>
+                  <a:schemeClr val="tx1"/>
+                </a:solidFill>
+              </a:rPr>
+              <a:t>Group metadata</a:t>
+            </a:r>
+          </a:p>
+        </p:txBody>
+      </p:sp>
+      <p:sp>
+        <p:nvSpPr>
+          <p:cNvPr id="27" name="Abgerundetes Rechteck 26"/>
+          <p:cNvSpPr/>
+          <p:nvPr/>
+        </p:nvSpPr>
+        <p:spPr>
+          <a:xfrm>
+            <a:off x="8126233" y="5461549"/>
+            <a:ext cx="2763290" cy="670494"/>
+          </a:xfrm>
+          <a:prstGeom prst="roundRect">
+            <a:avLst>
+              <a:gd name="adj" fmla="val 6851"/>
+            </a:avLst>
+          </a:prstGeom>
+          <a:solidFill>
+            <a:schemeClr val="accent6">
+              <a:lumMod val="20000"/>
+              <a:lumOff val="80000"/>
+            </a:schemeClr>
+          </a:solidFill>
+        </p:spPr>
+        <p:style>
+          <a:lnRef idx="2">
+            <a:schemeClr val="accent1">
+              <a:shade val="50000"/>
+            </a:schemeClr>
+          </a:lnRef>
+          <a:fillRef idx="1">
+            <a:schemeClr val="accent1"/>
+          </a:fillRef>
+          <a:effectRef idx="0">
+            <a:schemeClr val="accent1"/>
+          </a:effectRef>
+          <a:fontRef idx="minor">
+            <a:schemeClr val="lt1"/>
+          </a:fontRef>
+        </p:style>
+        <p:txBody>
+          <a:bodyPr rtlCol="0" anchor="ctr"/>
+          <a:lstStyle/>
+          <a:p>
+            <a:pPr algn="ctr"/>
+            <a:r>
+              <a:rPr lang="en-US" b="1" dirty="0" smtClean="0">
+                <a:solidFill>
+                  <a:schemeClr val="tx1"/>
+                </a:solidFill>
+              </a:rPr>
+              <a:t>Group </a:t>
+            </a:r>
+            <a:r>
+              <a:rPr lang="en-US" b="1" i="1" dirty="0" smtClean="0">
+                <a:solidFill>
+                  <a:schemeClr val="tx1"/>
+                </a:solidFill>
+              </a:rPr>
+              <a:t>Methods</a:t>
+            </a:r>
+            <a:r>
+              <a:rPr lang="en-US" i="1" dirty="0" smtClean="0">
+                <a:solidFill>
+                  <a:schemeClr val="tx1"/>
+                </a:solidFill>
+              </a:rPr>
+              <a:t> (compare, decompose, fit model)</a:t>
+            </a:r>
+          </a:p>
+        </p:txBody>
+      </p:sp>
+      <p:sp>
+        <p:nvSpPr>
+          <p:cNvPr id="30" name="Abgerundetes Rechteck 29"/>
+          <p:cNvSpPr/>
+          <p:nvPr/>
+        </p:nvSpPr>
+        <p:spPr>
+          <a:xfrm>
+            <a:off x="7001336" y="1797331"/>
+            <a:ext cx="3888188" cy="445271"/>
+          </a:xfrm>
+          <a:prstGeom prst="roundRect">
+            <a:avLst>
+              <a:gd name="adj" fmla="val 6851"/>
+            </a:avLst>
+          </a:prstGeom>
+          <a:solidFill>
+            <a:schemeClr val="accent4">
+              <a:lumMod val="40000"/>
+              <a:lumOff val="60000"/>
+            </a:schemeClr>
+          </a:solidFill>
+        </p:spPr>
+        <p:style>
+          <a:lnRef idx="2">
+            <a:schemeClr val="accent1">
+              <a:shade val="50000"/>
+            </a:schemeClr>
+          </a:lnRef>
+          <a:fillRef idx="1">
+            <a:schemeClr val="accent1"/>
+          </a:fillRef>
+          <a:effectRef idx="0">
+            <a:schemeClr val="accent1"/>
+          </a:effectRef>
+          <a:fontRef idx="minor">
+            <a:schemeClr val="lt1"/>
+          </a:fontRef>
+        </p:style>
+        <p:txBody>
+          <a:bodyPr rtlCol="0" anchor="ctr"/>
+          <a:lstStyle/>
+          <a:p>
+            <a:pPr algn="ctr"/>
+            <a:r>
+              <a:rPr lang="en-US" dirty="0" smtClean="0">
+                <a:solidFill>
+                  <a:schemeClr val="tx1"/>
+                </a:solidFill>
+              </a:rPr>
+              <a:t>Common </a:t>
+            </a:r>
+            <a:r>
+              <a:rPr lang="en-US" i="1" dirty="0" smtClean="0">
+                <a:solidFill>
+                  <a:schemeClr val="tx1"/>
+                </a:solidFill>
+              </a:rPr>
+              <a:t>Raman Shifts </a:t>
+            </a:r>
+            <a:r>
+              <a:rPr lang="en-US" dirty="0" smtClean="0">
+                <a:solidFill>
+                  <a:schemeClr val="tx1"/>
+                </a:solidFill>
+              </a:rPr>
+              <a:t>vector</a:t>
+            </a:r>
+          </a:p>
+        </p:txBody>
+      </p:sp>
+      <p:sp>
+        <p:nvSpPr>
+          <p:cNvPr id="31" name="Abgerundetes Rechteck 30"/>
+          <p:cNvSpPr/>
+          <p:nvPr/>
+        </p:nvSpPr>
+        <p:spPr>
+          <a:xfrm>
+            <a:off x="7001336" y="2298263"/>
+            <a:ext cx="3888188" cy="2051436"/>
+          </a:xfrm>
+          <a:prstGeom prst="roundRect">
+            <a:avLst>
+              <a:gd name="adj" fmla="val 6851"/>
+            </a:avLst>
+          </a:prstGeom>
+          <a:solidFill>
+            <a:schemeClr val="accent4">
+              <a:lumMod val="40000"/>
+              <a:lumOff val="60000"/>
+            </a:schemeClr>
+          </a:solidFill>
+        </p:spPr>
+        <p:style>
+          <a:lnRef idx="2">
+            <a:schemeClr val="accent1">
+              <a:shade val="50000"/>
+            </a:schemeClr>
+          </a:lnRef>
+          <a:fillRef idx="1">
+            <a:schemeClr val="accent1"/>
+          </a:fillRef>
+          <a:effectRef idx="0">
+            <a:schemeClr val="accent1"/>
+          </a:effectRef>
+          <a:fontRef idx="minor">
+            <a:schemeClr val="lt1"/>
+          </a:fontRef>
+        </p:style>
+        <p:txBody>
+          <a:bodyPr rtlCol="0" anchor="ctr"/>
+          <a:lstStyle/>
+          <a:p>
+            <a:pPr algn="ctr"/>
+            <a:r>
+              <a:rPr lang="en-US" sz="3600" dirty="0" smtClean="0">
+                <a:solidFill>
+                  <a:schemeClr val="tx1"/>
+                </a:solidFill>
+              </a:rPr>
+              <a:t>y data</a:t>
+            </a:r>
+          </a:p>
+          <a:p>
+            <a:pPr algn="ctr"/>
+            <a:r>
+              <a:rPr lang="en-US" dirty="0" smtClean="0">
+                <a:solidFill>
+                  <a:schemeClr val="tx1"/>
+                </a:solidFill>
+              </a:rPr>
+              <a:t>matrix with spectra as lines</a:t>
+            </a:r>
+          </a:p>
+        </p:txBody>
+      </p:sp>
+      <p:sp>
+        <p:nvSpPr>
+          <p:cNvPr id="32" name="Abgerundetes Rechteck 31"/>
+          <p:cNvSpPr/>
+          <p:nvPr/>
+        </p:nvSpPr>
+        <p:spPr>
+          <a:xfrm>
+            <a:off x="7001336" y="4412643"/>
+            <a:ext cx="3888188" cy="445271"/>
+          </a:xfrm>
+          <a:prstGeom prst="roundRect">
+            <a:avLst>
+              <a:gd name="adj" fmla="val 6851"/>
+            </a:avLst>
+          </a:prstGeom>
+          <a:solidFill>
+            <a:schemeClr val="accent2">
+              <a:lumMod val="40000"/>
+              <a:lumOff val="60000"/>
+            </a:schemeClr>
+          </a:solidFill>
+          <a:ln>
+            <a:solidFill>
+              <a:schemeClr val="tx1"/>
+            </a:solidFill>
+            <a:prstDash val="sysDash"/>
+          </a:ln>
+        </p:spPr>
+        <p:style>
+          <a:lnRef idx="2">
+            <a:schemeClr val="accent1">
+              <a:shade val="50000"/>
+            </a:schemeClr>
+          </a:lnRef>
+          <a:fillRef idx="1">
+            <a:schemeClr val="accent1"/>
+          </a:fillRef>
+          <a:effectRef idx="0">
+            <a:schemeClr val="accent1"/>
+          </a:effectRef>
+          <a:fontRef idx="minor">
+            <a:schemeClr val="lt1"/>
+          </a:fontRef>
+        </p:style>
+        <p:txBody>
+          <a:bodyPr rtlCol="0" anchor="ctr"/>
+          <a:lstStyle/>
+          <a:p>
+            <a:pPr algn="ctr"/>
+            <a:r>
+              <a:rPr lang="en-US" dirty="0" smtClean="0">
+                <a:solidFill>
+                  <a:schemeClr val="tx1"/>
+                </a:solidFill>
+              </a:rPr>
+              <a:t>Targets</a:t>
+            </a:r>
+          </a:p>
+        </p:txBody>
+      </p:sp>
+      <p:sp>
+        <p:nvSpPr>
+          <p:cNvPr id="34" name="Pfeil nach unten 33"/>
+          <p:cNvSpPr/>
+          <p:nvPr/>
+        </p:nvSpPr>
+        <p:spPr>
+          <a:xfrm flipV="1">
+            <a:off x="10500233" y="2043487"/>
+            <a:ext cx="267340" cy="3418061"/>
+          </a:xfrm>
+          <a:prstGeom prst="downArrow">
+            <a:avLst>
+              <a:gd name="adj1" fmla="val 50000"/>
+              <a:gd name="adj2" fmla="val 65844"/>
+            </a:avLst>
+          </a:prstGeom>
+          <a:solidFill>
+            <a:schemeClr val="accent6">
+              <a:lumMod val="50000"/>
+            </a:schemeClr>
+          </a:solidFill>
+          <a:ln>
+            <a:solidFill>
+              <a:schemeClr val="accent6">
+                <a:lumMod val="60000"/>
+                <a:lumOff val="40000"/>
+              </a:schemeClr>
+            </a:solidFill>
+          </a:ln>
+        </p:spPr>
+        <p:style>
+          <a:lnRef idx="2">
+            <a:schemeClr val="accent1">
+              <a:shade val="50000"/>
+            </a:schemeClr>
+          </a:lnRef>
+          <a:fillRef idx="1">
+            <a:schemeClr val="accent1"/>
+          </a:fillRef>
+          <a:effectRef idx="0">
+            <a:schemeClr val="accent1"/>
+          </a:effectRef>
+          <a:fontRef idx="minor">
+            <a:schemeClr val="lt1"/>
+          </a:fontRef>
+        </p:style>
+        <p:txBody>
+          <a:bodyPr rtlCol="0" anchor="ctr"/>
+          <a:lstStyle/>
+          <a:p>
+            <a:pPr algn="ctr"/>
+            <a:endParaRPr lang="en-US"/>
+          </a:p>
+        </p:txBody>
+      </p:sp>
+      <p:sp>
+        <p:nvSpPr>
+          <p:cNvPr id="35" name="Pfeil nach unten 34"/>
+          <p:cNvSpPr/>
+          <p:nvPr/>
+        </p:nvSpPr>
+        <p:spPr>
+          <a:xfrm flipV="1">
+            <a:off x="10237844" y="3909818"/>
+            <a:ext cx="262389" cy="1543446"/>
+          </a:xfrm>
+          <a:prstGeom prst="downArrow">
+            <a:avLst>
+              <a:gd name="adj1" fmla="val 50000"/>
+              <a:gd name="adj2" fmla="val 65844"/>
+            </a:avLst>
+          </a:prstGeom>
+          <a:solidFill>
+            <a:schemeClr val="accent6">
+              <a:lumMod val="50000"/>
+            </a:schemeClr>
+          </a:solidFill>
+          <a:ln>
+            <a:solidFill>
+              <a:schemeClr val="accent6">
+                <a:lumMod val="60000"/>
+                <a:lumOff val="40000"/>
+              </a:schemeClr>
+            </a:solidFill>
+          </a:ln>
+        </p:spPr>
+        <p:style>
+          <a:lnRef idx="2">
+            <a:schemeClr val="accent1">
+              <a:shade val="50000"/>
+            </a:schemeClr>
+          </a:lnRef>
+          <a:fillRef idx="1">
+            <a:schemeClr val="accent1"/>
+          </a:fillRef>
+          <a:effectRef idx="0">
+            <a:schemeClr val="accent1"/>
+          </a:effectRef>
+          <a:fontRef idx="minor">
+            <a:schemeClr val="lt1"/>
+          </a:fontRef>
+        </p:style>
+        <p:txBody>
+          <a:bodyPr rtlCol="0" anchor="ctr"/>
+          <a:lstStyle/>
+          <a:p>
+            <a:pPr algn="ctr"/>
+            <a:endParaRPr lang="en-US"/>
+          </a:p>
+        </p:txBody>
+      </p:sp>
+      <p:sp>
+        <p:nvSpPr>
+          <p:cNvPr id="11" name="Textfeld 10"/>
+          <p:cNvSpPr txBox="1"/>
+          <p:nvPr/>
+        </p:nvSpPr>
+        <p:spPr>
+          <a:xfrm rot="16200000">
+            <a:off x="4049114" y="2698850"/>
+            <a:ext cx="3503523" cy="369332"/>
+          </a:xfrm>
+          <a:prstGeom prst="rect">
+            <a:avLst/>
+          </a:prstGeom>
+          <a:noFill/>
+        </p:spPr>
+        <p:txBody>
+          <a:bodyPr wrap="none" rtlCol="0">
+            <a:spAutoFit/>
+          </a:bodyPr>
+          <a:lstStyle/>
+          <a:p>
+            <a:r>
+              <a:rPr lang="en-US" dirty="0" smtClean="0"/>
+              <a:t>Data-only, SW version-independent</a:t>
+            </a:r>
+            <a:endParaRPr lang="en-US" dirty="0"/>
+          </a:p>
+        </p:txBody>
+      </p:sp>
+      <p:pic>
+        <p:nvPicPr>
+          <p:cNvPr id="38" name="Grafik 37"/>
+          <p:cNvPicPr>
+            <a:picLocks noChangeAspect="1"/>
+          </p:cNvPicPr>
+          <p:nvPr/>
+        </p:nvPicPr>
+        <p:blipFill>
+          <a:blip r:embed="rId3">
+            <a:extLst>
+              <a:ext uri="{28A0092B-C50C-407E-A947-70E740481C1C}">
+                <a14:useLocalDpi xmlns:a14="http://schemas.microsoft.com/office/drawing/2010/main" val="0"/>
+              </a:ext>
+            </a:extLst>
+          </a:blip>
+          <a:stretch>
+            <a:fillRect/>
+          </a:stretch>
+        </p:blipFill>
+        <p:spPr>
+          <a:xfrm>
+            <a:off x="4123118" y="5453264"/>
+            <a:ext cx="3467105" cy="782895"/>
+          </a:xfrm>
+          <a:prstGeom prst="rect">
+            <a:avLst/>
+          </a:prstGeom>
+        </p:spPr>
+      </p:pic>
+      <p:sp>
+        <p:nvSpPr>
+          <p:cNvPr id="39" name="Textfeld 38"/>
+          <p:cNvSpPr txBox="1"/>
+          <p:nvPr/>
+        </p:nvSpPr>
+        <p:spPr>
+          <a:xfrm>
+            <a:off x="2402188" y="6137941"/>
+            <a:ext cx="6569684" cy="461665"/>
+          </a:xfrm>
+          <a:prstGeom prst="rect">
+            <a:avLst/>
+          </a:prstGeom>
+          <a:noFill/>
+        </p:spPr>
+        <p:txBody>
+          <a:bodyPr wrap="none" rtlCol="0">
+            <a:spAutoFit/>
+          </a:bodyPr>
+          <a:lstStyle/>
+          <a:p>
+            <a:r>
+              <a:rPr lang="en-US" sz="2400" b="1" dirty="0" smtClean="0"/>
+              <a:t>Software (local installation) or server (web-based)</a:t>
+            </a:r>
+            <a:endParaRPr lang="en-US" sz="2400" b="1" dirty="0"/>
           </a:p>
         </p:txBody>
       </p:sp>
@@ -3831,6 +4502,863 @@
         </p:nvSpPr>
         <p:spPr>
           <a:xfrm>
+            <a:off x="739470" y="87464"/>
+            <a:ext cx="4508390" cy="5351228"/>
+          </a:xfrm>
+          <a:prstGeom prst="rect">
+            <a:avLst/>
+          </a:prstGeom>
+          <a:solidFill>
+            <a:schemeClr val="accent1">
+              <a:lumMod val="40000"/>
+              <a:lumOff val="60000"/>
+            </a:schemeClr>
+          </a:solidFill>
+        </p:spPr>
+        <p:style>
+          <a:lnRef idx="2">
+            <a:schemeClr val="accent1">
+              <a:shade val="50000"/>
+            </a:schemeClr>
+          </a:lnRef>
+          <a:fillRef idx="1">
+            <a:schemeClr val="accent1"/>
+          </a:fillRef>
+          <a:effectRef idx="0">
+            <a:schemeClr val="accent1"/>
+          </a:effectRef>
+          <a:fontRef idx="minor">
+            <a:schemeClr val="lt1"/>
+          </a:fontRef>
+        </p:style>
+        <p:txBody>
+          <a:bodyPr rtlCol="0" anchor="ctr"/>
+          <a:lstStyle/>
+          <a:p>
+            <a:pPr algn="ctr"/>
+            <a:endParaRPr lang="en-US"/>
+          </a:p>
+        </p:txBody>
+      </p:sp>
+      <p:sp>
+        <p:nvSpPr>
+          <p:cNvPr id="5" name="Rechteck 4"/>
+          <p:cNvSpPr/>
+          <p:nvPr/>
+        </p:nvSpPr>
+        <p:spPr>
+          <a:xfrm>
+            <a:off x="739470" y="87464"/>
+            <a:ext cx="4508390" cy="691763"/>
+          </a:xfrm>
+          <a:prstGeom prst="rect">
+            <a:avLst/>
+          </a:prstGeom>
+        </p:spPr>
+        <p:style>
+          <a:lnRef idx="2">
+            <a:schemeClr val="accent1">
+              <a:shade val="50000"/>
+            </a:schemeClr>
+          </a:lnRef>
+          <a:fillRef idx="1">
+            <a:schemeClr val="accent1"/>
+          </a:fillRef>
+          <a:effectRef idx="0">
+            <a:schemeClr val="accent1"/>
+          </a:effectRef>
+          <a:fontRef idx="minor">
+            <a:schemeClr val="lt1"/>
+          </a:fontRef>
+        </p:style>
+        <p:txBody>
+          <a:bodyPr rtlCol="0" anchor="ctr"/>
+          <a:lstStyle/>
+          <a:p>
+            <a:pPr algn="ctr"/>
+            <a:r>
+              <a:rPr lang="en-US" sz="3200" b="1" dirty="0" smtClean="0"/>
+              <a:t>CHADA file</a:t>
+            </a:r>
+            <a:endParaRPr lang="en-US" sz="3200" b="1" dirty="0"/>
+          </a:p>
+        </p:txBody>
+      </p:sp>
+      <p:sp>
+        <p:nvSpPr>
+          <p:cNvPr id="6" name="Abgerundetes Rechteck 5"/>
+          <p:cNvSpPr/>
+          <p:nvPr/>
+        </p:nvSpPr>
+        <p:spPr>
+          <a:xfrm>
+            <a:off x="834886" y="850790"/>
+            <a:ext cx="3888188" cy="429370"/>
+          </a:xfrm>
+          <a:prstGeom prst="roundRect">
+            <a:avLst>
+              <a:gd name="adj" fmla="val 6851"/>
+            </a:avLst>
+          </a:prstGeom>
+          <a:solidFill>
+            <a:schemeClr val="bg2">
+              <a:lumMod val="90000"/>
+            </a:schemeClr>
+          </a:solidFill>
+        </p:spPr>
+        <p:style>
+          <a:lnRef idx="2">
+            <a:schemeClr val="accent1">
+              <a:shade val="50000"/>
+            </a:schemeClr>
+          </a:lnRef>
+          <a:fillRef idx="1">
+            <a:schemeClr val="accent1"/>
+          </a:fillRef>
+          <a:effectRef idx="0">
+            <a:schemeClr val="accent1"/>
+          </a:effectRef>
+          <a:fontRef idx="minor">
+            <a:schemeClr val="lt1"/>
+          </a:fontRef>
+        </p:style>
+        <p:txBody>
+          <a:bodyPr rtlCol="0" anchor="ctr"/>
+          <a:lstStyle/>
+          <a:p>
+            <a:pPr algn="ctr"/>
+            <a:r>
+              <a:rPr lang="en-US" dirty="0" smtClean="0">
+                <a:solidFill>
+                  <a:schemeClr val="tx1"/>
+                </a:solidFill>
+              </a:rPr>
+              <a:t>Static metadata</a:t>
+            </a:r>
+          </a:p>
+        </p:txBody>
+      </p:sp>
+      <p:sp>
+        <p:nvSpPr>
+          <p:cNvPr id="7" name="Abgerundetes Rechteck 6"/>
+          <p:cNvSpPr/>
+          <p:nvPr/>
+        </p:nvSpPr>
+        <p:spPr>
+          <a:xfrm>
+            <a:off x="834886" y="1359675"/>
+            <a:ext cx="3888188" cy="938252"/>
+          </a:xfrm>
+          <a:prstGeom prst="roundRect">
+            <a:avLst>
+              <a:gd name="adj" fmla="val 6851"/>
+            </a:avLst>
+          </a:prstGeom>
+          <a:solidFill>
+            <a:schemeClr val="bg2">
+              <a:lumMod val="90000"/>
+            </a:schemeClr>
+          </a:solidFill>
+        </p:spPr>
+        <p:style>
+          <a:lnRef idx="2">
+            <a:schemeClr val="accent1">
+              <a:shade val="50000"/>
+            </a:schemeClr>
+          </a:lnRef>
+          <a:fillRef idx="1">
+            <a:schemeClr val="accent1"/>
+          </a:fillRef>
+          <a:effectRef idx="0">
+            <a:schemeClr val="accent1"/>
+          </a:effectRef>
+          <a:fontRef idx="minor">
+            <a:schemeClr val="lt1"/>
+          </a:fontRef>
+        </p:style>
+        <p:txBody>
+          <a:bodyPr rtlCol="0" anchor="ctr"/>
+          <a:lstStyle/>
+          <a:p>
+            <a:pPr algn="ctr"/>
+            <a:r>
+              <a:rPr lang="en-US" dirty="0" smtClean="0">
+                <a:solidFill>
+                  <a:schemeClr val="tx1"/>
+                </a:solidFill>
+              </a:rPr>
+              <a:t>Binary spectrum data</a:t>
+            </a:r>
+          </a:p>
+          <a:p>
+            <a:pPr algn="ctr"/>
+            <a:r>
+              <a:rPr lang="en-US" dirty="0" smtClean="0">
+                <a:solidFill>
+                  <a:schemeClr val="tx1"/>
+                </a:solidFill>
+              </a:rPr>
+              <a:t>(copy of native file)</a:t>
+            </a:r>
+          </a:p>
+        </p:txBody>
+      </p:sp>
+      <p:sp>
+        <p:nvSpPr>
+          <p:cNvPr id="8" name="Abgerundetes Rechteck 7"/>
+          <p:cNvSpPr/>
+          <p:nvPr/>
+        </p:nvSpPr>
+        <p:spPr>
+          <a:xfrm>
+            <a:off x="834886" y="2460931"/>
+            <a:ext cx="3888188" cy="1427256"/>
+          </a:xfrm>
+          <a:prstGeom prst="roundRect">
+            <a:avLst>
+              <a:gd name="adj" fmla="val 6851"/>
+            </a:avLst>
+          </a:prstGeom>
+          <a:solidFill>
+            <a:schemeClr val="accent4">
+              <a:lumMod val="40000"/>
+              <a:lumOff val="60000"/>
+            </a:schemeClr>
+          </a:solidFill>
+        </p:spPr>
+        <p:style>
+          <a:lnRef idx="2">
+            <a:schemeClr val="accent1">
+              <a:shade val="50000"/>
+            </a:schemeClr>
+          </a:lnRef>
+          <a:fillRef idx="1">
+            <a:schemeClr val="accent1"/>
+          </a:fillRef>
+          <a:effectRef idx="0">
+            <a:schemeClr val="accent1"/>
+          </a:effectRef>
+          <a:fontRef idx="minor">
+            <a:schemeClr val="lt1"/>
+          </a:fontRef>
+        </p:style>
+        <p:txBody>
+          <a:bodyPr vert="vert270" rtlCol="0" anchor="t"/>
+          <a:lstStyle/>
+          <a:p>
+            <a:r>
+              <a:rPr lang="en-US" b="1" dirty="0" smtClean="0">
+                <a:solidFill>
+                  <a:schemeClr val="tx1"/>
+                </a:solidFill>
+              </a:rPr>
+              <a:t>Transformers</a:t>
+            </a:r>
+          </a:p>
+        </p:txBody>
+      </p:sp>
+      <p:sp>
+        <p:nvSpPr>
+          <p:cNvPr id="12" name="Flussdiagramm: Grenzstelle 11"/>
+          <p:cNvSpPr/>
+          <p:nvPr/>
+        </p:nvSpPr>
+        <p:spPr>
+          <a:xfrm>
+            <a:off x="1367624" y="3538663"/>
+            <a:ext cx="1733384" cy="263385"/>
+          </a:xfrm>
+          <a:prstGeom prst="flowChartTerminator">
+            <a:avLst/>
+          </a:prstGeom>
+          <a:solidFill>
+            <a:schemeClr val="accent4">
+              <a:lumMod val="20000"/>
+              <a:lumOff val="80000"/>
+            </a:schemeClr>
+          </a:solidFill>
+        </p:spPr>
+        <p:style>
+          <a:lnRef idx="2">
+            <a:schemeClr val="accent1">
+              <a:shade val="50000"/>
+            </a:schemeClr>
+          </a:lnRef>
+          <a:fillRef idx="1">
+            <a:schemeClr val="accent1"/>
+          </a:fillRef>
+          <a:effectRef idx="0">
+            <a:schemeClr val="accent1"/>
+          </a:effectRef>
+          <a:fontRef idx="minor">
+            <a:schemeClr val="lt1"/>
+          </a:fontRef>
+        </p:style>
+        <p:txBody>
+          <a:bodyPr rtlCol="0" anchor="ctr"/>
+          <a:lstStyle/>
+          <a:p>
+            <a:pPr algn="ctr"/>
+            <a:r>
+              <a:rPr lang="en-US" dirty="0" smtClean="0">
+                <a:solidFill>
+                  <a:schemeClr val="tx1"/>
+                </a:solidFill>
+              </a:rPr>
+              <a:t>TF N</a:t>
+            </a:r>
+            <a:endParaRPr lang="en-US" dirty="0">
+              <a:solidFill>
+                <a:schemeClr val="tx1"/>
+              </a:solidFill>
+            </a:endParaRPr>
+          </a:p>
+        </p:txBody>
+      </p:sp>
+      <p:sp>
+        <p:nvSpPr>
+          <p:cNvPr id="14" name="Textfeld 13"/>
+          <p:cNvSpPr txBox="1"/>
+          <p:nvPr/>
+        </p:nvSpPr>
+        <p:spPr>
+          <a:xfrm>
+            <a:off x="2019633" y="2553896"/>
+            <a:ext cx="433132" cy="523220"/>
+          </a:xfrm>
+          <a:prstGeom prst="rect">
+            <a:avLst/>
+          </a:prstGeom>
+          <a:noFill/>
+        </p:spPr>
+        <p:txBody>
+          <a:bodyPr wrap="none" rtlCol="0">
+            <a:spAutoFit/>
+          </a:bodyPr>
+          <a:lstStyle/>
+          <a:p>
+            <a:r>
+              <a:rPr lang="en-US" sz="2800" dirty="0" smtClean="0">
+                <a:solidFill>
+                  <a:srgbClr val="FFC000"/>
+                </a:solidFill>
+              </a:rPr>
+              <a:t>…</a:t>
+            </a:r>
+            <a:endParaRPr lang="en-US" sz="2800" dirty="0">
+              <a:solidFill>
+                <a:srgbClr val="FFC000"/>
+              </a:solidFill>
+            </a:endParaRPr>
+          </a:p>
+        </p:txBody>
+      </p:sp>
+      <p:sp>
+        <p:nvSpPr>
+          <p:cNvPr id="15" name="Textfeld 14"/>
+          <p:cNvSpPr txBox="1"/>
+          <p:nvPr/>
+        </p:nvSpPr>
+        <p:spPr>
+          <a:xfrm>
+            <a:off x="2019633" y="3029120"/>
+            <a:ext cx="433132" cy="523220"/>
+          </a:xfrm>
+          <a:prstGeom prst="rect">
+            <a:avLst/>
+          </a:prstGeom>
+          <a:noFill/>
+        </p:spPr>
+        <p:txBody>
+          <a:bodyPr wrap="none" rtlCol="0">
+            <a:spAutoFit/>
+          </a:bodyPr>
+          <a:lstStyle/>
+          <a:p>
+            <a:r>
+              <a:rPr lang="en-US" sz="2800" dirty="0" smtClean="0">
+                <a:solidFill>
+                  <a:srgbClr val="FFC000"/>
+                </a:solidFill>
+              </a:rPr>
+              <a:t>…</a:t>
+            </a:r>
+            <a:endParaRPr lang="en-US" sz="2800" dirty="0">
+              <a:solidFill>
+                <a:srgbClr val="FFC000"/>
+              </a:solidFill>
+            </a:endParaRPr>
+          </a:p>
+        </p:txBody>
+      </p:sp>
+      <p:sp>
+        <p:nvSpPr>
+          <p:cNvPr id="16" name="Richtungspfeil 15"/>
+          <p:cNvSpPr/>
+          <p:nvPr/>
+        </p:nvSpPr>
+        <p:spPr>
+          <a:xfrm flipH="1">
+            <a:off x="3196424" y="3029119"/>
+            <a:ext cx="1311966" cy="263385"/>
+          </a:xfrm>
+          <a:prstGeom prst="homePlate">
+            <a:avLst/>
+          </a:prstGeom>
+          <a:ln>
+            <a:solidFill>
+              <a:srgbClr val="FF0000"/>
+            </a:solidFill>
+          </a:ln>
+        </p:spPr>
+        <p:style>
+          <a:lnRef idx="2">
+            <a:schemeClr val="accent1">
+              <a:shade val="50000"/>
+            </a:schemeClr>
+          </a:lnRef>
+          <a:fillRef idx="1">
+            <a:schemeClr val="accent1"/>
+          </a:fillRef>
+          <a:effectRef idx="0">
+            <a:schemeClr val="accent1"/>
+          </a:effectRef>
+          <a:fontRef idx="minor">
+            <a:schemeClr val="lt1"/>
+          </a:fontRef>
+        </p:style>
+        <p:txBody>
+          <a:bodyPr rtlCol="0" anchor="ctr"/>
+          <a:lstStyle/>
+          <a:p>
+            <a:pPr algn="ctr"/>
+            <a:r>
+              <a:rPr lang="en-US" sz="1400" b="1" dirty="0" smtClean="0">
+                <a:solidFill>
+                  <a:schemeClr val="tx1"/>
+                </a:solidFill>
+              </a:rPr>
+              <a:t>Current state</a:t>
+            </a:r>
+            <a:endParaRPr lang="en-US" sz="1400" b="1" dirty="0">
+              <a:solidFill>
+                <a:schemeClr val="tx1"/>
+              </a:solidFill>
+            </a:endParaRPr>
+          </a:p>
+        </p:txBody>
+      </p:sp>
+      <p:sp>
+        <p:nvSpPr>
+          <p:cNvPr id="17" name="Abgerundetes Rechteck 16"/>
+          <p:cNvSpPr/>
+          <p:nvPr/>
+        </p:nvSpPr>
+        <p:spPr>
+          <a:xfrm>
+            <a:off x="834886" y="3991221"/>
+            <a:ext cx="3888188" cy="429370"/>
+          </a:xfrm>
+          <a:prstGeom prst="roundRect">
+            <a:avLst>
+              <a:gd name="adj" fmla="val 6851"/>
+            </a:avLst>
+          </a:prstGeom>
+          <a:solidFill>
+            <a:schemeClr val="accent4">
+              <a:lumMod val="40000"/>
+              <a:lumOff val="60000"/>
+            </a:schemeClr>
+          </a:solidFill>
+        </p:spPr>
+        <p:style>
+          <a:lnRef idx="2">
+            <a:schemeClr val="accent1">
+              <a:shade val="50000"/>
+            </a:schemeClr>
+          </a:lnRef>
+          <a:fillRef idx="1">
+            <a:schemeClr val="accent1"/>
+          </a:fillRef>
+          <a:effectRef idx="0">
+            <a:schemeClr val="accent1"/>
+          </a:effectRef>
+          <a:fontRef idx="minor">
+            <a:schemeClr val="lt1"/>
+          </a:fontRef>
+        </p:style>
+        <p:txBody>
+          <a:bodyPr rtlCol="0" anchor="ctr"/>
+          <a:lstStyle/>
+          <a:p>
+            <a:r>
+              <a:rPr lang="en-US" sz="1600" dirty="0" smtClean="0">
+                <a:solidFill>
+                  <a:schemeClr val="tx1"/>
+                </a:solidFill>
+              </a:rPr>
+              <a:t>Dynamic metadata</a:t>
+            </a:r>
+          </a:p>
+        </p:txBody>
+      </p:sp>
+      <p:sp>
+        <p:nvSpPr>
+          <p:cNvPr id="18" name="Abgerundetes Rechteck 17"/>
+          <p:cNvSpPr/>
+          <p:nvPr/>
+        </p:nvSpPr>
+        <p:spPr>
+          <a:xfrm>
+            <a:off x="834886" y="4523624"/>
+            <a:ext cx="3888188" cy="803749"/>
+          </a:xfrm>
+          <a:prstGeom prst="roundRect">
+            <a:avLst>
+              <a:gd name="adj" fmla="val 6851"/>
+            </a:avLst>
+          </a:prstGeom>
+          <a:solidFill>
+            <a:schemeClr val="accent4">
+              <a:lumMod val="40000"/>
+              <a:lumOff val="60000"/>
+            </a:schemeClr>
+          </a:solidFill>
+        </p:spPr>
+        <p:style>
+          <a:lnRef idx="2">
+            <a:schemeClr val="accent1">
+              <a:shade val="50000"/>
+            </a:schemeClr>
+          </a:lnRef>
+          <a:fillRef idx="1">
+            <a:schemeClr val="accent1"/>
+          </a:fillRef>
+          <a:effectRef idx="0">
+            <a:schemeClr val="accent1"/>
+          </a:effectRef>
+          <a:fontRef idx="minor">
+            <a:schemeClr val="lt1"/>
+          </a:fontRef>
+        </p:style>
+        <p:txBody>
+          <a:bodyPr rtlCol="0" anchor="ctr"/>
+          <a:lstStyle/>
+          <a:p>
+            <a:pPr algn="ctr"/>
+            <a:r>
+              <a:rPr lang="en-US" b="1" dirty="0" smtClean="0">
+                <a:solidFill>
+                  <a:schemeClr val="tx1"/>
+                </a:solidFill>
+              </a:rPr>
+              <a:t>Methods</a:t>
+            </a:r>
+            <a:r>
+              <a:rPr lang="en-US" i="1" dirty="0" smtClean="0">
+                <a:solidFill>
+                  <a:schemeClr val="tx1"/>
+                </a:solidFill>
+              </a:rPr>
+              <a:t> (plot, export, baseline,…)</a:t>
+            </a:r>
+          </a:p>
+        </p:txBody>
+      </p:sp>
+      <p:sp>
+        <p:nvSpPr>
+          <p:cNvPr id="19" name="180-Grad-Pfeil 18"/>
+          <p:cNvSpPr/>
+          <p:nvPr/>
+        </p:nvSpPr>
+        <p:spPr>
+          <a:xfrm rot="16200000" flipV="1">
+            <a:off x="4428875" y="4428876"/>
+            <a:ext cx="858741" cy="270344"/>
+          </a:xfrm>
+          <a:prstGeom prst="uturnArrow">
+            <a:avLst>
+              <a:gd name="adj1" fmla="val 10382"/>
+              <a:gd name="adj2" fmla="val 25000"/>
+              <a:gd name="adj3" fmla="val 27658"/>
+              <a:gd name="adj4" fmla="val 31790"/>
+              <a:gd name="adj5" fmla="val 75000"/>
+            </a:avLst>
+          </a:prstGeom>
+        </p:spPr>
+        <p:style>
+          <a:lnRef idx="2">
+            <a:schemeClr val="accent1">
+              <a:shade val="50000"/>
+            </a:schemeClr>
+          </a:lnRef>
+          <a:fillRef idx="1">
+            <a:schemeClr val="accent1"/>
+          </a:fillRef>
+          <a:effectRef idx="0">
+            <a:schemeClr val="accent1"/>
+          </a:effectRef>
+          <a:fontRef idx="minor">
+            <a:schemeClr val="lt1"/>
+          </a:fontRef>
+        </p:style>
+        <p:txBody>
+          <a:bodyPr rtlCol="0" anchor="ctr"/>
+          <a:lstStyle/>
+          <a:p>
+            <a:pPr algn="ctr"/>
+            <a:endParaRPr lang="en-US">
+              <a:solidFill>
+                <a:schemeClr val="tx1"/>
+              </a:solidFill>
+            </a:endParaRPr>
+          </a:p>
+        </p:txBody>
+      </p:sp>
+      <p:sp>
+        <p:nvSpPr>
+          <p:cNvPr id="20" name="180-Grad-Pfeil 19"/>
+          <p:cNvSpPr/>
+          <p:nvPr/>
+        </p:nvSpPr>
+        <p:spPr>
+          <a:xfrm rot="16200000" flipV="1">
+            <a:off x="3943682" y="3808510"/>
+            <a:ext cx="1964300" cy="405517"/>
+          </a:xfrm>
+          <a:prstGeom prst="uturnArrow">
+            <a:avLst>
+              <a:gd name="adj1" fmla="val 10382"/>
+              <a:gd name="adj2" fmla="val 25000"/>
+              <a:gd name="adj3" fmla="val 27658"/>
+              <a:gd name="adj4" fmla="val 31790"/>
+              <a:gd name="adj5" fmla="val 75000"/>
+            </a:avLst>
+          </a:prstGeom>
+        </p:spPr>
+        <p:style>
+          <a:lnRef idx="2">
+            <a:schemeClr val="accent1">
+              <a:shade val="50000"/>
+            </a:schemeClr>
+          </a:lnRef>
+          <a:fillRef idx="1">
+            <a:schemeClr val="accent1"/>
+          </a:fillRef>
+          <a:effectRef idx="0">
+            <a:schemeClr val="accent1"/>
+          </a:effectRef>
+          <a:fontRef idx="minor">
+            <a:schemeClr val="lt1"/>
+          </a:fontRef>
+        </p:style>
+        <p:txBody>
+          <a:bodyPr rtlCol="0" anchor="ctr"/>
+          <a:lstStyle/>
+          <a:p>
+            <a:pPr algn="ctr"/>
+            <a:endParaRPr lang="en-US">
+              <a:solidFill>
+                <a:schemeClr val="tx1"/>
+              </a:solidFill>
+            </a:endParaRPr>
+          </a:p>
+        </p:txBody>
+      </p:sp>
+      <p:sp>
+        <p:nvSpPr>
+          <p:cNvPr id="21" name="Pfeil nach unten 20"/>
+          <p:cNvSpPr/>
+          <p:nvPr/>
+        </p:nvSpPr>
+        <p:spPr>
+          <a:xfrm>
+            <a:off x="2655734" y="2297926"/>
+            <a:ext cx="135173" cy="2225697"/>
+          </a:xfrm>
+          <a:prstGeom prst="downArrow">
+            <a:avLst/>
+          </a:prstGeom>
+        </p:spPr>
+        <p:style>
+          <a:lnRef idx="2">
+            <a:schemeClr val="accent1">
+              <a:shade val="50000"/>
+            </a:schemeClr>
+          </a:lnRef>
+          <a:fillRef idx="1">
+            <a:schemeClr val="accent1"/>
+          </a:fillRef>
+          <a:effectRef idx="0">
+            <a:schemeClr val="accent1"/>
+          </a:effectRef>
+          <a:fontRef idx="minor">
+            <a:schemeClr val="lt1"/>
+          </a:fontRef>
+        </p:style>
+        <p:txBody>
+          <a:bodyPr rtlCol="0" anchor="ctr"/>
+          <a:lstStyle/>
+          <a:p>
+            <a:pPr algn="ctr"/>
+            <a:endParaRPr lang="en-US"/>
+          </a:p>
+        </p:txBody>
+      </p:sp>
+      <p:sp>
+        <p:nvSpPr>
+          <p:cNvPr id="10" name="Flussdiagramm: Grenzstelle 9"/>
+          <p:cNvSpPr/>
+          <p:nvPr/>
+        </p:nvSpPr>
+        <p:spPr>
+          <a:xfrm>
+            <a:off x="1367624" y="2535474"/>
+            <a:ext cx="1733384" cy="263385"/>
+          </a:xfrm>
+          <a:prstGeom prst="flowChartTerminator">
+            <a:avLst/>
+          </a:prstGeom>
+          <a:solidFill>
+            <a:schemeClr val="accent4">
+              <a:lumMod val="20000"/>
+              <a:lumOff val="80000"/>
+            </a:schemeClr>
+          </a:solidFill>
+        </p:spPr>
+        <p:style>
+          <a:lnRef idx="2">
+            <a:schemeClr val="accent1">
+              <a:shade val="50000"/>
+            </a:schemeClr>
+          </a:lnRef>
+          <a:fillRef idx="1">
+            <a:schemeClr val="accent1"/>
+          </a:fillRef>
+          <a:effectRef idx="0">
+            <a:schemeClr val="accent1"/>
+          </a:effectRef>
+          <a:fontRef idx="minor">
+            <a:schemeClr val="lt1"/>
+          </a:fontRef>
+        </p:style>
+        <p:txBody>
+          <a:bodyPr rtlCol="0" anchor="ctr"/>
+          <a:lstStyle/>
+          <a:p>
+            <a:pPr algn="ctr"/>
+            <a:r>
+              <a:rPr lang="en-US" dirty="0" smtClean="0">
+                <a:solidFill>
+                  <a:schemeClr val="tx1"/>
+                </a:solidFill>
+              </a:rPr>
+              <a:t>TF 1</a:t>
+            </a:r>
+            <a:endParaRPr lang="en-US" dirty="0">
+              <a:solidFill>
+                <a:schemeClr val="tx1"/>
+              </a:solidFill>
+            </a:endParaRPr>
+          </a:p>
+        </p:txBody>
+      </p:sp>
+      <p:sp>
+        <p:nvSpPr>
+          <p:cNvPr id="13" name="Flussdiagramm: Grenzstelle 12"/>
+          <p:cNvSpPr/>
+          <p:nvPr/>
+        </p:nvSpPr>
+        <p:spPr>
+          <a:xfrm>
+            <a:off x="1367624" y="3029120"/>
+            <a:ext cx="1733384" cy="263385"/>
+          </a:xfrm>
+          <a:prstGeom prst="flowChartTerminator">
+            <a:avLst/>
+          </a:prstGeom>
+          <a:solidFill>
+            <a:schemeClr val="accent4">
+              <a:lumMod val="20000"/>
+              <a:lumOff val="80000"/>
+            </a:schemeClr>
+          </a:solidFill>
+        </p:spPr>
+        <p:style>
+          <a:lnRef idx="2">
+            <a:schemeClr val="accent1">
+              <a:shade val="50000"/>
+            </a:schemeClr>
+          </a:lnRef>
+          <a:fillRef idx="1">
+            <a:schemeClr val="accent1"/>
+          </a:fillRef>
+          <a:effectRef idx="0">
+            <a:schemeClr val="accent1"/>
+          </a:effectRef>
+          <a:fontRef idx="minor">
+            <a:schemeClr val="lt1"/>
+          </a:fontRef>
+        </p:style>
+        <p:txBody>
+          <a:bodyPr rtlCol="0" anchor="ctr"/>
+          <a:lstStyle/>
+          <a:p>
+            <a:pPr algn="ctr"/>
+            <a:r>
+              <a:rPr lang="en-US" dirty="0" smtClean="0">
+                <a:solidFill>
+                  <a:schemeClr val="tx1"/>
+                </a:solidFill>
+              </a:rPr>
+              <a:t>TF M</a:t>
+            </a:r>
+            <a:endParaRPr lang="en-US" dirty="0">
+              <a:solidFill>
+                <a:schemeClr val="tx1"/>
+              </a:solidFill>
+            </a:endParaRPr>
+          </a:p>
+        </p:txBody>
+      </p:sp>
+    </p:spTree>
+    <p:extLst>
+      <p:ext uri="{BB962C8B-B14F-4D97-AF65-F5344CB8AC3E}">
+        <p14:creationId xmlns:p14="http://schemas.microsoft.com/office/powerpoint/2010/main" val="2424822124"/>
+      </p:ext>
+    </p:extLst>
+  </p:cSld>
+  <p:clrMapOvr>
+    <a:masterClrMapping/>
+  </p:clrMapOvr>
+</p:sld>
+</file>
+
+<file path=ppt/slides/slide3.xml><?xml version="1.0" encoding="utf-8"?>
+<p:sld xmlns:a="http://schemas.openxmlformats.org/drawingml/2006/main" xmlns:r="http://schemas.openxmlformats.org/officeDocument/2006/relationships" xmlns:p="http://schemas.openxmlformats.org/presentationml/2006/main">
+  <p:cSld>
+    <p:spTree>
+      <p:nvGrpSpPr>
+        <p:cNvPr id="1" name=""/>
+        <p:cNvGrpSpPr/>
+        <p:nvPr/>
+      </p:nvGrpSpPr>
+      <p:grpSpPr>
+        <a:xfrm>
+          <a:off x="0" y="0"/>
+          <a:ext cx="0" cy="0"/>
+          <a:chOff x="0" y="0"/>
+          <a:chExt cx="0" cy="0"/>
+        </a:xfrm>
+      </p:grpSpPr>
+      <p:sp>
+        <p:nvSpPr>
+          <p:cNvPr id="4" name="Rechteck 3"/>
+          <p:cNvSpPr/>
+          <p:nvPr/>
+        </p:nvSpPr>
+        <p:spPr>
+          <a:xfrm>
             <a:off x="1160890" y="834887"/>
             <a:ext cx="4508390" cy="5351228"/>
           </a:xfrm>
@@ -4408,7 +5936,7 @@
 </p:sld>
 </file>
 
-<file path=ppt/slides/slide3.xml><?xml version="1.0" encoding="utf-8"?>
+<file path=ppt/slides/slide4.xml><?xml version="1.0" encoding="utf-8"?>
 <p:sld xmlns:a="http://schemas.openxmlformats.org/drawingml/2006/main" xmlns:r="http://schemas.openxmlformats.org/officeDocument/2006/relationships" xmlns:p="http://schemas.openxmlformats.org/presentationml/2006/main">
   <p:cSld>
     <p:spTree>
